--- a/BÁO CÁO TIẾN ĐỘ ĐỒ ÁN.pptx
+++ b/BÁO CÁO TIẾN ĐỘ ĐỒ ÁN.pptx
@@ -17,8 +17,8 @@
     <p:sldId id="260" r:id="rId8"/>
     <p:sldId id="259" r:id="rId9"/>
     <p:sldId id="264" r:id="rId10"/>
-    <p:sldId id="265" r:id="rId11"/>
-    <p:sldId id="266" r:id="rId12"/>
+    <p:sldId id="266" r:id="rId11"/>
+    <p:sldId id="265" r:id="rId12"/>
     <p:sldId id="267" r:id="rId13"/>
   </p:sldIdLst>
   <p:sldSz cx="9144000" cy="6858000" type="screen4x3"/>
@@ -1024,15 +1024,7 @@
               <a:ea typeface="Calibri" panose="020F0502020204030204" pitchFamily="34" charset="0"/>
               <a:cs typeface="Times New Roman" panose="02020603050405020304" pitchFamily="18" charset="0"/>
             </a:rPr>
-            <a:t> </a:t>
-          </a:r>
-          <a:r>
-            <a:rPr lang="en-US" sz="2800" smtClean="0">
-              <a:latin typeface="Calibri" panose="020F0502020204030204" pitchFamily="34" charset="0"/>
-              <a:ea typeface="Calibri" panose="020F0502020204030204" pitchFamily="34" charset="0"/>
-              <a:cs typeface="Times New Roman" panose="02020603050405020304" pitchFamily="18" charset="0"/>
-            </a:rPr>
-            <a:t>diện + các chức năng khác</a:t>
+            <a:t> diện + các chức năng khác</a:t>
           </a:r>
           <a:endParaRPr lang="en-US" sz="2800" dirty="0"/>
         </a:p>
@@ -1313,16 +1305,16 @@
   </dgm:ptLst>
   <dgm:cxnLst>
     <dgm:cxn modelId="{7F158629-8E3C-489E-A4D0-74C2F37BFB5F}" type="presOf" srcId="{6D09733F-A307-4CEB-BCF8-D85918C0D9C8}" destId="{E67DF551-2A00-4941-AC32-0784E82E1F62}" srcOrd="0" destOrd="0" presId="urn:diagrams.loki3.com/BracketList"/>
+    <dgm:cxn modelId="{E8B319A3-A821-4233-84BA-41E2B86913C8}" type="presOf" srcId="{E36F8D11-EAE3-4C41-81CB-7903ACABD877}" destId="{BDFB2EC1-3EEA-4384-B671-3ECA7CF08B68}" srcOrd="0" destOrd="0" presId="urn:diagrams.loki3.com/BracketList"/>
+    <dgm:cxn modelId="{AB551458-9296-4B9A-B23C-4865A8F34256}" srcId="{5BD6F473-2F93-449B-96D5-5C7F8E55512C}" destId="{17166597-68D5-435D-A838-DE9A664717FD}" srcOrd="1" destOrd="0" parTransId="{0C50FFD0-AEFC-465C-B8F6-E0358F15E398}" sibTransId="{C6AF0040-2305-409D-B86F-5151BF812660}"/>
     <dgm:cxn modelId="{658C5F41-76A6-4F15-9E7A-F1DFD9AA7AB9}" type="presOf" srcId="{717AFB94-5376-48DE-B965-5FAAFBBB4D50}" destId="{167E2C97-511F-45B0-A962-7AF8C64E8796}" srcOrd="0" destOrd="0" presId="urn:diagrams.loki3.com/BracketList"/>
+    <dgm:cxn modelId="{B156160D-A46F-4470-9910-2750DE14E4CD}" srcId="{C470D293-0E97-4A96-A9A5-DAAF5D08A66B}" destId="{E36F8D11-EAE3-4C41-81CB-7903ACABD877}" srcOrd="0" destOrd="0" parTransId="{80CB6C8D-2076-4364-80CB-16207753A0E7}" sibTransId="{2BAEF3A0-A112-40F9-9A8F-CE19C5A56208}"/>
+    <dgm:cxn modelId="{159F508C-6624-4B94-A7E5-481ABDB701A3}" srcId="{717AFB94-5376-48DE-B965-5FAAFBBB4D50}" destId="{5BD6F473-2F93-449B-96D5-5C7F8E55512C}" srcOrd="1" destOrd="0" parTransId="{42218FB3-9A65-4804-96AA-733505F7EC3C}" sibTransId="{AF6F03C4-96B9-46A1-A972-619FB22CE2F7}"/>
+    <dgm:cxn modelId="{37126802-5F64-48F4-A40A-0798A0519159}" type="presOf" srcId="{5BD6F473-2F93-449B-96D5-5C7F8E55512C}" destId="{DFC72DD6-EEED-4487-8E64-F4B9B81DABFB}" srcOrd="0" destOrd="0" presId="urn:diagrams.loki3.com/BracketList"/>
+    <dgm:cxn modelId="{6B96D33D-2C11-4C7F-A653-82A3FC805CCC}" srcId="{717AFB94-5376-48DE-B965-5FAAFBBB4D50}" destId="{C470D293-0E97-4A96-A9A5-DAAF5D08A66B}" srcOrd="0" destOrd="0" parTransId="{2E78BE37-F2EA-4543-895B-B3BFEED658F6}" sibTransId="{142A6016-281F-4B73-88A2-999F7295CB41}"/>
+    <dgm:cxn modelId="{4E2F71B2-4308-4E80-80C7-71A6D24C3866}" srcId="{5BD6F473-2F93-449B-96D5-5C7F8E55512C}" destId="{6D09733F-A307-4CEB-BCF8-D85918C0D9C8}" srcOrd="0" destOrd="0" parTransId="{9077CD32-25AA-46C2-BA10-C5959B442AC9}" sibTransId="{8ED05871-CF0A-4DF9-8030-C98A88DB5D3F}"/>
     <dgm:cxn modelId="{7479A855-087E-46C6-B961-7E78469239DF}" type="presOf" srcId="{17166597-68D5-435D-A838-DE9A664717FD}" destId="{E67DF551-2A00-4941-AC32-0784E82E1F62}" srcOrd="0" destOrd="1" presId="urn:diagrams.loki3.com/BracketList"/>
     <dgm:cxn modelId="{23BE4CE0-7D42-4AB1-AF5C-457DB2C83EDE}" type="presOf" srcId="{C470D293-0E97-4A96-A9A5-DAAF5D08A66B}" destId="{7F9DFBB4-BA0C-4549-B9F2-41332D1AAB92}" srcOrd="0" destOrd="0" presId="urn:diagrams.loki3.com/BracketList"/>
-    <dgm:cxn modelId="{37126802-5F64-48F4-A40A-0798A0519159}" type="presOf" srcId="{5BD6F473-2F93-449B-96D5-5C7F8E55512C}" destId="{DFC72DD6-EEED-4487-8E64-F4B9B81DABFB}" srcOrd="0" destOrd="0" presId="urn:diagrams.loki3.com/BracketList"/>
-    <dgm:cxn modelId="{159F508C-6624-4B94-A7E5-481ABDB701A3}" srcId="{717AFB94-5376-48DE-B965-5FAAFBBB4D50}" destId="{5BD6F473-2F93-449B-96D5-5C7F8E55512C}" srcOrd="1" destOrd="0" parTransId="{42218FB3-9A65-4804-96AA-733505F7EC3C}" sibTransId="{AF6F03C4-96B9-46A1-A972-619FB22CE2F7}"/>
-    <dgm:cxn modelId="{E8B319A3-A821-4233-84BA-41E2B86913C8}" type="presOf" srcId="{E36F8D11-EAE3-4C41-81CB-7903ACABD877}" destId="{BDFB2EC1-3EEA-4384-B671-3ECA7CF08B68}" srcOrd="0" destOrd="0" presId="urn:diagrams.loki3.com/BracketList"/>
-    <dgm:cxn modelId="{AB551458-9296-4B9A-B23C-4865A8F34256}" srcId="{5BD6F473-2F93-449B-96D5-5C7F8E55512C}" destId="{17166597-68D5-435D-A838-DE9A664717FD}" srcOrd="1" destOrd="0" parTransId="{0C50FFD0-AEFC-465C-B8F6-E0358F15E398}" sibTransId="{C6AF0040-2305-409D-B86F-5151BF812660}"/>
-    <dgm:cxn modelId="{6B96D33D-2C11-4C7F-A653-82A3FC805CCC}" srcId="{717AFB94-5376-48DE-B965-5FAAFBBB4D50}" destId="{C470D293-0E97-4A96-A9A5-DAAF5D08A66B}" srcOrd="0" destOrd="0" parTransId="{2E78BE37-F2EA-4543-895B-B3BFEED658F6}" sibTransId="{142A6016-281F-4B73-88A2-999F7295CB41}"/>
-    <dgm:cxn modelId="{B156160D-A46F-4470-9910-2750DE14E4CD}" srcId="{C470D293-0E97-4A96-A9A5-DAAF5D08A66B}" destId="{E36F8D11-EAE3-4C41-81CB-7903ACABD877}" srcOrd="0" destOrd="0" parTransId="{80CB6C8D-2076-4364-80CB-16207753A0E7}" sibTransId="{2BAEF3A0-A112-40F9-9A8F-CE19C5A56208}"/>
-    <dgm:cxn modelId="{4E2F71B2-4308-4E80-80C7-71A6D24C3866}" srcId="{5BD6F473-2F93-449B-96D5-5C7F8E55512C}" destId="{6D09733F-A307-4CEB-BCF8-D85918C0D9C8}" srcOrd="0" destOrd="0" parTransId="{9077CD32-25AA-46C2-BA10-C5959B442AC9}" sibTransId="{8ED05871-CF0A-4DF9-8030-C98A88DB5D3F}"/>
     <dgm:cxn modelId="{F7B523AA-FD62-4F37-861A-00B6882738A4}" type="presParOf" srcId="{167E2C97-511F-45B0-A962-7AF8C64E8796}" destId="{95920FF0-872A-45F1-A634-D13F28F658B1}" srcOrd="0" destOrd="0" presId="urn:diagrams.loki3.com/BracketList"/>
     <dgm:cxn modelId="{E4B8DA1A-8AB2-4ECD-98EE-1E6772FC2711}" type="presParOf" srcId="{95920FF0-872A-45F1-A634-D13F28F658B1}" destId="{7F9DFBB4-BA0C-4549-B9F2-41332D1AAB92}" srcOrd="0" destOrd="0" presId="urn:diagrams.loki3.com/BracketList"/>
     <dgm:cxn modelId="{B5D8582D-223C-41E1-BE0F-F7D915C26C4D}" type="presParOf" srcId="{95920FF0-872A-45F1-A634-D13F28F658B1}" destId="{762C2F8C-3E79-434F-808D-0AA49F4405D9}" srcOrd="1" destOrd="0" presId="urn:diagrams.loki3.com/BracketList"/>
@@ -1612,15 +1604,7 @@
               <a:ea typeface="Calibri" panose="020F0502020204030204" pitchFamily="34" charset="0"/>
               <a:cs typeface="Times New Roman" panose="02020603050405020304" pitchFamily="18" charset="0"/>
             </a:rPr>
-            <a:t> </a:t>
-          </a:r>
-          <a:r>
-            <a:rPr lang="en-US" sz="2800" kern="1200" smtClean="0">
-              <a:latin typeface="Calibri" panose="020F0502020204030204" pitchFamily="34" charset="0"/>
-              <a:ea typeface="Calibri" panose="020F0502020204030204" pitchFamily="34" charset="0"/>
-              <a:cs typeface="Times New Roman" panose="02020603050405020304" pitchFamily="18" charset="0"/>
-            </a:rPr>
-            <a:t>diện + các chức năng khác</a:t>
+            <a:t> diện + các chức năng khác</a:t>
           </a:r>
           <a:endParaRPr lang="en-US" sz="2800" kern="1200" dirty="0"/>
         </a:p>
@@ -3175,7 +3159,7 @@
           <a:p>
             <a:fld id="{E412F172-3F0C-4367-9D34-FB9E9496095D}" type="datetimeFigureOut">
               <a:rPr lang="en-US" smtClean="0"/>
-              <a:t>5/4/19</a:t>
+              <a:t>5/5/19</a:t>
             </a:fld>
             <a:endParaRPr lang="en-US"/>
           </a:p>
@@ -3708,7 +3692,7 @@
           <a:p>
             <a:fld id="{41698798-F645-4DDC-8A26-5189952286E3}" type="datetimeFigureOut">
               <a:rPr lang="en-US" smtClean="0"/>
-              <a:t>5/4/19</a:t>
+              <a:t>5/5/19</a:t>
             </a:fld>
             <a:endParaRPr lang="en-US"/>
           </a:p>
@@ -3878,7 +3862,7 @@
           <a:p>
             <a:fld id="{41698798-F645-4DDC-8A26-5189952286E3}" type="datetimeFigureOut">
               <a:rPr lang="en-US" smtClean="0"/>
-              <a:t>5/4/19</a:t>
+              <a:t>5/5/19</a:t>
             </a:fld>
             <a:endParaRPr lang="en-US"/>
           </a:p>
@@ -4058,7 +4042,7 @@
           <a:p>
             <a:fld id="{41698798-F645-4DDC-8A26-5189952286E3}" type="datetimeFigureOut">
               <a:rPr lang="en-US" smtClean="0"/>
-              <a:t>5/4/19</a:t>
+              <a:t>5/5/19</a:t>
             </a:fld>
             <a:endParaRPr lang="en-US"/>
           </a:p>
@@ -4228,7 +4212,7 @@
           <a:p>
             <a:fld id="{41698798-F645-4DDC-8A26-5189952286E3}" type="datetimeFigureOut">
               <a:rPr lang="en-US" smtClean="0"/>
-              <a:t>5/4/19</a:t>
+              <a:t>5/5/19</a:t>
             </a:fld>
             <a:endParaRPr lang="en-US"/>
           </a:p>
@@ -4474,7 +4458,7 @@
           <a:p>
             <a:fld id="{41698798-F645-4DDC-8A26-5189952286E3}" type="datetimeFigureOut">
               <a:rPr lang="en-US" smtClean="0"/>
-              <a:t>5/4/19</a:t>
+              <a:t>5/5/19</a:t>
             </a:fld>
             <a:endParaRPr lang="en-US"/>
           </a:p>
@@ -4762,7 +4746,7 @@
           <a:p>
             <a:fld id="{41698798-F645-4DDC-8A26-5189952286E3}" type="datetimeFigureOut">
               <a:rPr lang="en-US" smtClean="0"/>
-              <a:t>5/4/19</a:t>
+              <a:t>5/5/19</a:t>
             </a:fld>
             <a:endParaRPr lang="en-US"/>
           </a:p>
@@ -5184,7 +5168,7 @@
           <a:p>
             <a:fld id="{41698798-F645-4DDC-8A26-5189952286E3}" type="datetimeFigureOut">
               <a:rPr lang="en-US" smtClean="0"/>
-              <a:t>5/4/19</a:t>
+              <a:t>5/5/19</a:t>
             </a:fld>
             <a:endParaRPr lang="en-US"/>
           </a:p>
@@ -5302,7 +5286,7 @@
           <a:p>
             <a:fld id="{41698798-F645-4DDC-8A26-5189952286E3}" type="datetimeFigureOut">
               <a:rPr lang="en-US" smtClean="0"/>
-              <a:t>5/4/19</a:t>
+              <a:t>5/5/19</a:t>
             </a:fld>
             <a:endParaRPr lang="en-US"/>
           </a:p>
@@ -5397,7 +5381,7 @@
           <a:p>
             <a:fld id="{41698798-F645-4DDC-8A26-5189952286E3}" type="datetimeFigureOut">
               <a:rPr lang="en-US" smtClean="0"/>
-              <a:t>5/4/19</a:t>
+              <a:t>5/5/19</a:t>
             </a:fld>
             <a:endParaRPr lang="en-US"/>
           </a:p>
@@ -5674,7 +5658,7 @@
           <a:p>
             <a:fld id="{41698798-F645-4DDC-8A26-5189952286E3}" type="datetimeFigureOut">
               <a:rPr lang="en-US" smtClean="0"/>
-              <a:t>5/4/19</a:t>
+              <a:t>5/5/19</a:t>
             </a:fld>
             <a:endParaRPr lang="en-US"/>
           </a:p>
@@ -5927,7 +5911,7 @@
           <a:p>
             <a:fld id="{41698798-F645-4DDC-8A26-5189952286E3}" type="datetimeFigureOut">
               <a:rPr lang="en-US" smtClean="0"/>
-              <a:t>5/4/19</a:t>
+              <a:t>5/5/19</a:t>
             </a:fld>
             <a:endParaRPr lang="en-US"/>
           </a:p>
@@ -6149,7 +6133,7 @@
           <a:p>
             <a:fld id="{41698798-F645-4DDC-8A26-5189952286E3}" type="datetimeFigureOut">
               <a:rPr lang="en-US" smtClean="0"/>
-              <a:t>5/4/19</a:t>
+              <a:t>5/5/19</a:t>
             </a:fld>
             <a:endParaRPr lang="en-US"/>
           </a:p>
@@ -7111,7 +7095,348 @@
                 <a:latin typeface="Times New Roman" pitchFamily="18" charset="0"/>
                 <a:cs typeface="Times New Roman" pitchFamily="18" charset="0"/>
               </a:rPr>
-              <a:t>7. Nội dung thanh toán</a:t>
+              <a:t>7. </a:t>
+            </a:r>
+            <a:r>
+              <a:rPr lang="en-US" smtClean="0">
+                <a:latin typeface="Times New Roman" pitchFamily="18" charset="0"/>
+                <a:cs typeface="Times New Roman" pitchFamily="18" charset="0"/>
+              </a:rPr>
+              <a:t>Hướng phát triển</a:t>
+            </a:r>
+            <a:endParaRPr lang="en-US">
+              <a:latin typeface="Times New Roman" pitchFamily="18" charset="0"/>
+              <a:cs typeface="Times New Roman" pitchFamily="18" charset="0"/>
+            </a:endParaRPr>
+          </a:p>
+        </p:txBody>
+      </p:sp>
+      <p:graphicFrame>
+        <p:nvGraphicFramePr>
+          <p:cNvPr id="5" name="Diagram 4"/>
+          <p:cNvGraphicFramePr/>
+          <p:nvPr>
+            <p:extLst>
+              <p:ext uri="{D42A27DB-BD31-4B8C-83A1-F6EECF244321}">
+                <p14:modId xmlns:p14="http://schemas.microsoft.com/office/powerpoint/2010/main" val="3605427891"/>
+              </p:ext>
+            </p:extLst>
+          </p:nvPr>
+        </p:nvGraphicFramePr>
+        <p:xfrm>
+          <a:off x="381000" y="1219200"/>
+          <a:ext cx="7866674" cy="4896544"/>
+        </p:xfrm>
+        <a:graphic>
+          <a:graphicData uri="http://schemas.openxmlformats.org/drawingml/2006/diagram">
+            <dgm:relIds xmlns:dgm="http://schemas.openxmlformats.org/drawingml/2006/diagram" xmlns:r="http://schemas.openxmlformats.org/officeDocument/2006/relationships" r:dm="rId2" r:lo="rId3" r:qs="rId4" r:cs="rId5"/>
+          </a:graphicData>
+        </a:graphic>
+      </p:graphicFrame>
+    </p:spTree>
+    <p:extLst>
+      <p:ext uri="{BB962C8B-B14F-4D97-AF65-F5344CB8AC3E}">
+        <p14:creationId xmlns:p14="http://schemas.microsoft.com/office/powerpoint/2010/main" val="2978018873"/>
+      </p:ext>
+    </p:extLst>
+  </p:cSld>
+  <p:clrMapOvr>
+    <a:masterClrMapping/>
+  </p:clrMapOvr>
+  <p:transition spd="slow">
+    <p:push dir="u"/>
+  </p:transition>
+  <p:timing>
+    <p:tnLst>
+      <p:par>
+        <p:cTn id="1" dur="indefinite" restart="never" nodeType="tmRoot">
+          <p:childTnLst>
+            <p:seq concurrent="1" nextAc="seek">
+              <p:cTn id="2" dur="indefinite" nodeType="mainSeq">
+                <p:childTnLst>
+                  <p:par>
+                    <p:cTn id="3" fill="hold">
+                      <p:stCondLst>
+                        <p:cond delay="indefinite"/>
+                      </p:stCondLst>
+                      <p:childTnLst>
+                        <p:par>
+                          <p:cTn id="4" fill="hold">
+                            <p:stCondLst>
+                              <p:cond delay="0"/>
+                            </p:stCondLst>
+                            <p:childTnLst>
+                              <p:par>
+                                <p:cTn id="5" presetID="42" presetClass="entr" presetSubtype="0" fill="hold" grpId="0" nodeType="clickEffect">
+                                  <p:stCondLst>
+                                    <p:cond delay="0"/>
+                                  </p:stCondLst>
+                                  <p:childTnLst>
+                                    <p:set>
+                                      <p:cBhvr>
+                                        <p:cTn id="6" dur="1" fill="hold">
+                                          <p:stCondLst>
+                                            <p:cond delay="0"/>
+                                          </p:stCondLst>
+                                        </p:cTn>
+                                        <p:tgtEl>
+                                          <p:spTgt spid="4"/>
+                                        </p:tgtEl>
+                                        <p:attrNameLst>
+                                          <p:attrName>style.visibility</p:attrName>
+                                        </p:attrNameLst>
+                                      </p:cBhvr>
+                                      <p:to>
+                                        <p:strVal val="visible"/>
+                                      </p:to>
+                                    </p:set>
+                                    <p:animEffect transition="in" filter="fade">
+                                      <p:cBhvr>
+                                        <p:cTn id="7" dur="1000"/>
+                                        <p:tgtEl>
+                                          <p:spTgt spid="4"/>
+                                        </p:tgtEl>
+                                      </p:cBhvr>
+                                    </p:animEffect>
+                                    <p:anim calcmode="lin" valueType="num">
+                                      <p:cBhvr>
+                                        <p:cTn id="8" dur="1000" fill="hold"/>
+                                        <p:tgtEl>
+                                          <p:spTgt spid="4"/>
+                                        </p:tgtEl>
+                                        <p:attrNameLst>
+                                          <p:attrName>ppt_x</p:attrName>
+                                        </p:attrNameLst>
+                                      </p:cBhvr>
+                                      <p:tavLst>
+                                        <p:tav tm="0">
+                                          <p:val>
+                                            <p:strVal val="#ppt_x"/>
+                                          </p:val>
+                                        </p:tav>
+                                        <p:tav tm="100000">
+                                          <p:val>
+                                            <p:strVal val="#ppt_x"/>
+                                          </p:val>
+                                        </p:tav>
+                                      </p:tavLst>
+                                    </p:anim>
+                                    <p:anim calcmode="lin" valueType="num">
+                                      <p:cBhvr>
+                                        <p:cTn id="9" dur="1000" fill="hold"/>
+                                        <p:tgtEl>
+                                          <p:spTgt spid="4"/>
+                                        </p:tgtEl>
+                                        <p:attrNameLst>
+                                          <p:attrName>ppt_y</p:attrName>
+                                        </p:attrNameLst>
+                                      </p:cBhvr>
+                                      <p:tavLst>
+                                        <p:tav tm="0">
+                                          <p:val>
+                                            <p:strVal val="#ppt_y+.1"/>
+                                          </p:val>
+                                        </p:tav>
+                                        <p:tav tm="100000">
+                                          <p:val>
+                                            <p:strVal val="#ppt_y"/>
+                                          </p:val>
+                                        </p:tav>
+                                      </p:tavLst>
+                                    </p:anim>
+                                  </p:childTnLst>
+                                </p:cTn>
+                              </p:par>
+                            </p:childTnLst>
+                          </p:cTn>
+                        </p:par>
+                      </p:childTnLst>
+                    </p:cTn>
+                  </p:par>
+                  <p:par>
+                    <p:cTn id="10" fill="hold">
+                      <p:stCondLst>
+                        <p:cond delay="indefinite"/>
+                      </p:stCondLst>
+                      <p:childTnLst>
+                        <p:par>
+                          <p:cTn id="11" fill="hold">
+                            <p:stCondLst>
+                              <p:cond delay="0"/>
+                            </p:stCondLst>
+                            <p:childTnLst>
+                              <p:par>
+                                <p:cTn id="12" presetID="42" presetClass="entr" presetSubtype="0" fill="hold" grpId="0" nodeType="clickEffect">
+                                  <p:stCondLst>
+                                    <p:cond delay="0"/>
+                                  </p:stCondLst>
+                                  <p:childTnLst>
+                                    <p:set>
+                                      <p:cBhvr>
+                                        <p:cTn id="13" dur="1" fill="hold">
+                                          <p:stCondLst>
+                                            <p:cond delay="0"/>
+                                          </p:stCondLst>
+                                        </p:cTn>
+                                        <p:tgtEl>
+                                          <p:spTgt spid="5"/>
+                                        </p:tgtEl>
+                                        <p:attrNameLst>
+                                          <p:attrName>style.visibility</p:attrName>
+                                        </p:attrNameLst>
+                                      </p:cBhvr>
+                                      <p:to>
+                                        <p:strVal val="visible"/>
+                                      </p:to>
+                                    </p:set>
+                                    <p:animEffect transition="in" filter="fade">
+                                      <p:cBhvr>
+                                        <p:cTn id="14" dur="1000"/>
+                                        <p:tgtEl>
+                                          <p:spTgt spid="5"/>
+                                        </p:tgtEl>
+                                      </p:cBhvr>
+                                    </p:animEffect>
+                                    <p:anim calcmode="lin" valueType="num">
+                                      <p:cBhvr>
+                                        <p:cTn id="15" dur="1000" fill="hold"/>
+                                        <p:tgtEl>
+                                          <p:spTgt spid="5"/>
+                                        </p:tgtEl>
+                                        <p:attrNameLst>
+                                          <p:attrName>ppt_x</p:attrName>
+                                        </p:attrNameLst>
+                                      </p:cBhvr>
+                                      <p:tavLst>
+                                        <p:tav tm="0">
+                                          <p:val>
+                                            <p:strVal val="#ppt_x"/>
+                                          </p:val>
+                                        </p:tav>
+                                        <p:tav tm="100000">
+                                          <p:val>
+                                            <p:strVal val="#ppt_x"/>
+                                          </p:val>
+                                        </p:tav>
+                                      </p:tavLst>
+                                    </p:anim>
+                                    <p:anim calcmode="lin" valueType="num">
+                                      <p:cBhvr>
+                                        <p:cTn id="16" dur="1000" fill="hold"/>
+                                        <p:tgtEl>
+                                          <p:spTgt spid="5"/>
+                                        </p:tgtEl>
+                                        <p:attrNameLst>
+                                          <p:attrName>ppt_y</p:attrName>
+                                        </p:attrNameLst>
+                                      </p:cBhvr>
+                                      <p:tavLst>
+                                        <p:tav tm="0">
+                                          <p:val>
+                                            <p:strVal val="#ppt_y+.1"/>
+                                          </p:val>
+                                        </p:tav>
+                                        <p:tav tm="100000">
+                                          <p:val>
+                                            <p:strVal val="#ppt_y"/>
+                                          </p:val>
+                                        </p:tav>
+                                      </p:tavLst>
+                                    </p:anim>
+                                  </p:childTnLst>
+                                </p:cTn>
+                              </p:par>
+                            </p:childTnLst>
+                          </p:cTn>
+                        </p:par>
+                      </p:childTnLst>
+                    </p:cTn>
+                  </p:par>
+                </p:childTnLst>
+              </p:cTn>
+              <p:prevCondLst>
+                <p:cond evt="onPrev" delay="0">
+                  <p:tgtEl>
+                    <p:sldTgt/>
+                  </p:tgtEl>
+                </p:cond>
+              </p:prevCondLst>
+              <p:nextCondLst>
+                <p:cond evt="onNext" delay="0">
+                  <p:tgtEl>
+                    <p:sldTgt/>
+                  </p:tgtEl>
+                </p:cond>
+              </p:nextCondLst>
+            </p:seq>
+          </p:childTnLst>
+        </p:cTn>
+      </p:par>
+    </p:tnLst>
+    <p:bldLst>
+      <p:bldP spid="4" grpId="0" animBg="1"/>
+      <p:bldGraphic spid="5" grpId="0">
+        <p:bldAsOne/>
+      </p:bldGraphic>
+    </p:bldLst>
+  </p:timing>
+</p:sld>
+</file>
+
+<file path=ppt/slides/slide11.xml><?xml version="1.0" encoding="utf-8"?>
+<p:sld xmlns:a="http://schemas.openxmlformats.org/drawingml/2006/main" xmlns:r="http://schemas.openxmlformats.org/officeDocument/2006/relationships" xmlns:p="http://schemas.openxmlformats.org/presentationml/2006/main">
+  <p:cSld>
+    <p:spTree>
+      <p:nvGrpSpPr>
+        <p:cNvPr id="1" name=""/>
+        <p:cNvGrpSpPr/>
+        <p:nvPr/>
+      </p:nvGrpSpPr>
+      <p:grpSpPr>
+        <a:xfrm>
+          <a:off x="0" y="0"/>
+          <a:ext cx="0" cy="0"/>
+          <a:chOff x="0" y="0"/>
+          <a:chExt cx="0" cy="0"/>
+        </a:xfrm>
+      </p:grpSpPr>
+      <p:sp>
+        <p:nvSpPr>
+          <p:cNvPr id="4" name="Title 1"/>
+          <p:cNvSpPr>
+            <a:spLocks noGrp="1"/>
+          </p:cNvSpPr>
+          <p:nvPr>
+            <p:ph type="title"/>
+          </p:nvPr>
+        </p:nvSpPr>
+        <p:spPr>
+          <a:xfrm>
+            <a:off x="6927" y="0"/>
+            <a:ext cx="5860473" cy="838200"/>
+          </a:xfrm>
+          <a:solidFill>
+            <a:schemeClr val="accent3"/>
+          </a:solidFill>
+        </p:spPr>
+        <p:txBody>
+          <a:bodyPr/>
+          <a:lstStyle/>
+          <a:p>
+            <a:pPr algn="l"/>
+            <a:r>
+              <a:rPr lang="en-US" smtClean="0">
+                <a:latin typeface="Times New Roman" pitchFamily="18" charset="0"/>
+                <a:cs typeface="Times New Roman" pitchFamily="18" charset="0"/>
+              </a:rPr>
+              <a:t> 8</a:t>
+            </a:r>
+            <a:r>
+              <a:rPr lang="en-US" smtClean="0">
+                <a:latin typeface="Times New Roman" pitchFamily="18" charset="0"/>
+                <a:cs typeface="Times New Roman" pitchFamily="18" charset="0"/>
+              </a:rPr>
+              <a:t>. Demo</a:t>
             </a:r>
             <a:endParaRPr lang="en-US">
               <a:latin typeface="Times New Roman" pitchFamily="18" charset="0"/>
@@ -7615,332 +7940,6 @@
 </p:sld>
 </file>
 
-<file path=ppt/slides/slide11.xml><?xml version="1.0" encoding="utf-8"?>
-<p:sld xmlns:a="http://schemas.openxmlformats.org/drawingml/2006/main" xmlns:r="http://schemas.openxmlformats.org/officeDocument/2006/relationships" xmlns:p="http://schemas.openxmlformats.org/presentationml/2006/main">
-  <p:cSld>
-    <p:spTree>
-      <p:nvGrpSpPr>
-        <p:cNvPr id="1" name=""/>
-        <p:cNvGrpSpPr/>
-        <p:nvPr/>
-      </p:nvGrpSpPr>
-      <p:grpSpPr>
-        <a:xfrm>
-          <a:off x="0" y="0"/>
-          <a:ext cx="0" cy="0"/>
-          <a:chOff x="0" y="0"/>
-          <a:chExt cx="0" cy="0"/>
-        </a:xfrm>
-      </p:grpSpPr>
-      <p:sp>
-        <p:nvSpPr>
-          <p:cNvPr id="4" name="Title 1"/>
-          <p:cNvSpPr>
-            <a:spLocks noGrp="1"/>
-          </p:cNvSpPr>
-          <p:nvPr>
-            <p:ph type="title"/>
-          </p:nvPr>
-        </p:nvSpPr>
-        <p:spPr>
-          <a:xfrm>
-            <a:off x="6927" y="0"/>
-            <a:ext cx="5860473" cy="838200"/>
-          </a:xfrm>
-          <a:solidFill>
-            <a:schemeClr val="accent3"/>
-          </a:solidFill>
-        </p:spPr>
-        <p:txBody>
-          <a:bodyPr/>
-          <a:lstStyle/>
-          <a:p>
-            <a:r>
-              <a:rPr lang="en-US" smtClean="0">
-                <a:latin typeface="Times New Roman" pitchFamily="18" charset="0"/>
-                <a:cs typeface="Times New Roman" pitchFamily="18" charset="0"/>
-              </a:rPr>
-              <a:t>8. Hướng phát triển</a:t>
-            </a:r>
-            <a:endParaRPr lang="en-US">
-              <a:latin typeface="Times New Roman" pitchFamily="18" charset="0"/>
-              <a:cs typeface="Times New Roman" pitchFamily="18" charset="0"/>
-            </a:endParaRPr>
-          </a:p>
-        </p:txBody>
-      </p:sp>
-      <p:graphicFrame>
-        <p:nvGraphicFramePr>
-          <p:cNvPr id="5" name="Diagram 4"/>
-          <p:cNvGraphicFramePr/>
-          <p:nvPr>
-            <p:extLst>
-              <p:ext uri="{D42A27DB-BD31-4B8C-83A1-F6EECF244321}">
-                <p14:modId xmlns:p14="http://schemas.microsoft.com/office/powerpoint/2010/main" val="3605427891"/>
-              </p:ext>
-            </p:extLst>
-          </p:nvPr>
-        </p:nvGraphicFramePr>
-        <p:xfrm>
-          <a:off x="381000" y="1219200"/>
-          <a:ext cx="7866674" cy="4896544"/>
-        </p:xfrm>
-        <a:graphic>
-          <a:graphicData uri="http://schemas.openxmlformats.org/drawingml/2006/diagram">
-            <dgm:relIds xmlns:dgm="http://schemas.openxmlformats.org/drawingml/2006/diagram" xmlns:r="http://schemas.openxmlformats.org/officeDocument/2006/relationships" r:dm="rId2" r:lo="rId3" r:qs="rId4" r:cs="rId5"/>
-          </a:graphicData>
-        </a:graphic>
-      </p:graphicFrame>
-    </p:spTree>
-    <p:extLst>
-      <p:ext uri="{BB962C8B-B14F-4D97-AF65-F5344CB8AC3E}">
-        <p14:creationId xmlns:p14="http://schemas.microsoft.com/office/powerpoint/2010/main" val="2978018873"/>
-      </p:ext>
-    </p:extLst>
-  </p:cSld>
-  <p:clrMapOvr>
-    <a:masterClrMapping/>
-  </p:clrMapOvr>
-  <p:transition spd="slow">
-    <p:push dir="u"/>
-  </p:transition>
-  <p:timing>
-    <p:tnLst>
-      <p:par>
-        <p:cTn id="1" dur="indefinite" restart="never" nodeType="tmRoot">
-          <p:childTnLst>
-            <p:seq concurrent="1" nextAc="seek">
-              <p:cTn id="2" dur="indefinite" nodeType="mainSeq">
-                <p:childTnLst>
-                  <p:par>
-                    <p:cTn id="3" fill="hold">
-                      <p:stCondLst>
-                        <p:cond delay="indefinite"/>
-                      </p:stCondLst>
-                      <p:childTnLst>
-                        <p:par>
-                          <p:cTn id="4" fill="hold">
-                            <p:stCondLst>
-                              <p:cond delay="0"/>
-                            </p:stCondLst>
-                            <p:childTnLst>
-                              <p:par>
-                                <p:cTn id="5" presetID="42" presetClass="entr" presetSubtype="0" fill="hold" grpId="0" nodeType="clickEffect">
-                                  <p:stCondLst>
-                                    <p:cond delay="0"/>
-                                  </p:stCondLst>
-                                  <p:childTnLst>
-                                    <p:set>
-                                      <p:cBhvr>
-                                        <p:cTn id="6" dur="1" fill="hold">
-                                          <p:stCondLst>
-                                            <p:cond delay="0"/>
-                                          </p:stCondLst>
-                                        </p:cTn>
-                                        <p:tgtEl>
-                                          <p:spTgt spid="4"/>
-                                        </p:tgtEl>
-                                        <p:attrNameLst>
-                                          <p:attrName>style.visibility</p:attrName>
-                                        </p:attrNameLst>
-                                      </p:cBhvr>
-                                      <p:to>
-                                        <p:strVal val="visible"/>
-                                      </p:to>
-                                    </p:set>
-                                    <p:animEffect transition="in" filter="fade">
-                                      <p:cBhvr>
-                                        <p:cTn id="7" dur="1000"/>
-                                        <p:tgtEl>
-                                          <p:spTgt spid="4"/>
-                                        </p:tgtEl>
-                                      </p:cBhvr>
-                                    </p:animEffect>
-                                    <p:anim calcmode="lin" valueType="num">
-                                      <p:cBhvr>
-                                        <p:cTn id="8" dur="1000" fill="hold"/>
-                                        <p:tgtEl>
-                                          <p:spTgt spid="4"/>
-                                        </p:tgtEl>
-                                        <p:attrNameLst>
-                                          <p:attrName>ppt_x</p:attrName>
-                                        </p:attrNameLst>
-                                      </p:cBhvr>
-                                      <p:tavLst>
-                                        <p:tav tm="0">
-                                          <p:val>
-                                            <p:strVal val="#ppt_x"/>
-                                          </p:val>
-                                        </p:tav>
-                                        <p:tav tm="100000">
-                                          <p:val>
-                                            <p:strVal val="#ppt_x"/>
-                                          </p:val>
-                                        </p:tav>
-                                      </p:tavLst>
-                                    </p:anim>
-                                    <p:anim calcmode="lin" valueType="num">
-                                      <p:cBhvr>
-                                        <p:cTn id="9" dur="1000" fill="hold"/>
-                                        <p:tgtEl>
-                                          <p:spTgt spid="4"/>
-                                        </p:tgtEl>
-                                        <p:attrNameLst>
-                                          <p:attrName>ppt_y</p:attrName>
-                                        </p:attrNameLst>
-                                      </p:cBhvr>
-                                      <p:tavLst>
-                                        <p:tav tm="0">
-                                          <p:val>
-                                            <p:strVal val="#ppt_y+.1"/>
-                                          </p:val>
-                                        </p:tav>
-                                        <p:tav tm="100000">
-                                          <p:val>
-                                            <p:strVal val="#ppt_y"/>
-                                          </p:val>
-                                        </p:tav>
-                                      </p:tavLst>
-                                    </p:anim>
-                                  </p:childTnLst>
-                                </p:cTn>
-                              </p:par>
-                            </p:childTnLst>
-                          </p:cTn>
-                        </p:par>
-                      </p:childTnLst>
-                    </p:cTn>
-                  </p:par>
-                  <p:par>
-                    <p:cTn id="10" fill="hold">
-                      <p:stCondLst>
-                        <p:cond delay="indefinite"/>
-                      </p:stCondLst>
-                      <p:childTnLst>
-                        <p:par>
-                          <p:cTn id="11" fill="hold">
-                            <p:stCondLst>
-                              <p:cond delay="0"/>
-                            </p:stCondLst>
-                            <p:childTnLst>
-                              <p:par>
-                                <p:cTn id="12" presetID="42" presetClass="entr" presetSubtype="0" fill="hold" grpId="0" nodeType="clickEffect">
-                                  <p:stCondLst>
-                                    <p:cond delay="0"/>
-                                  </p:stCondLst>
-                                  <p:childTnLst>
-                                    <p:set>
-                                      <p:cBhvr>
-                                        <p:cTn id="13" dur="1" fill="hold">
-                                          <p:stCondLst>
-                                            <p:cond delay="0"/>
-                                          </p:stCondLst>
-                                        </p:cTn>
-                                        <p:tgtEl>
-                                          <p:spTgt spid="5"/>
-                                        </p:tgtEl>
-                                        <p:attrNameLst>
-                                          <p:attrName>style.visibility</p:attrName>
-                                        </p:attrNameLst>
-                                      </p:cBhvr>
-                                      <p:to>
-                                        <p:strVal val="visible"/>
-                                      </p:to>
-                                    </p:set>
-                                    <p:animEffect transition="in" filter="fade">
-                                      <p:cBhvr>
-                                        <p:cTn id="14" dur="1000"/>
-                                        <p:tgtEl>
-                                          <p:spTgt spid="5"/>
-                                        </p:tgtEl>
-                                      </p:cBhvr>
-                                    </p:animEffect>
-                                    <p:anim calcmode="lin" valueType="num">
-                                      <p:cBhvr>
-                                        <p:cTn id="15" dur="1000" fill="hold"/>
-                                        <p:tgtEl>
-                                          <p:spTgt spid="5"/>
-                                        </p:tgtEl>
-                                        <p:attrNameLst>
-                                          <p:attrName>ppt_x</p:attrName>
-                                        </p:attrNameLst>
-                                      </p:cBhvr>
-                                      <p:tavLst>
-                                        <p:tav tm="0">
-                                          <p:val>
-                                            <p:strVal val="#ppt_x"/>
-                                          </p:val>
-                                        </p:tav>
-                                        <p:tav tm="100000">
-                                          <p:val>
-                                            <p:strVal val="#ppt_x"/>
-                                          </p:val>
-                                        </p:tav>
-                                      </p:tavLst>
-                                    </p:anim>
-                                    <p:anim calcmode="lin" valueType="num">
-                                      <p:cBhvr>
-                                        <p:cTn id="16" dur="1000" fill="hold"/>
-                                        <p:tgtEl>
-                                          <p:spTgt spid="5"/>
-                                        </p:tgtEl>
-                                        <p:attrNameLst>
-                                          <p:attrName>ppt_y</p:attrName>
-                                        </p:attrNameLst>
-                                      </p:cBhvr>
-                                      <p:tavLst>
-                                        <p:tav tm="0">
-                                          <p:val>
-                                            <p:strVal val="#ppt_y+.1"/>
-                                          </p:val>
-                                        </p:tav>
-                                        <p:tav tm="100000">
-                                          <p:val>
-                                            <p:strVal val="#ppt_y"/>
-                                          </p:val>
-                                        </p:tav>
-                                      </p:tavLst>
-                                    </p:anim>
-                                  </p:childTnLst>
-                                </p:cTn>
-                              </p:par>
-                            </p:childTnLst>
-                          </p:cTn>
-                        </p:par>
-                      </p:childTnLst>
-                    </p:cTn>
-                  </p:par>
-                </p:childTnLst>
-              </p:cTn>
-              <p:prevCondLst>
-                <p:cond evt="onPrev" delay="0">
-                  <p:tgtEl>
-                    <p:sldTgt/>
-                  </p:tgtEl>
-                </p:cond>
-              </p:prevCondLst>
-              <p:nextCondLst>
-                <p:cond evt="onNext" delay="0">
-                  <p:tgtEl>
-                    <p:sldTgt/>
-                  </p:tgtEl>
-                </p:cond>
-              </p:nextCondLst>
-            </p:seq>
-          </p:childTnLst>
-        </p:cTn>
-      </p:par>
-    </p:tnLst>
-    <p:bldLst>
-      <p:bldP spid="4" grpId="0" animBg="1"/>
-      <p:bldGraphic spid="5" grpId="0">
-        <p:bldAsOne/>
-      </p:bldGraphic>
-    </p:bldLst>
-  </p:timing>
-</p:sld>
-</file>
-
 <file path=ppt/slides/slide12.xml><?xml version="1.0" encoding="utf-8"?>
 <p:sld xmlns:a="http://schemas.openxmlformats.org/drawingml/2006/main" xmlns:r="http://schemas.openxmlformats.org/officeDocument/2006/relationships" xmlns:p="http://schemas.openxmlformats.org/presentationml/2006/main">
   <p:cSld>
@@ -10421,14 +10420,7 @@
                 <a:latin typeface="Times New Roman" pitchFamily="18" charset="0"/>
                 <a:cs typeface="Times New Roman" pitchFamily="18" charset="0"/>
               </a:rPr>
-              <a:t>quản lý các </a:t>
-            </a:r>
-            <a:r>
-              <a:rPr lang="en-US">
-                <a:latin typeface="Times New Roman" pitchFamily="18" charset="0"/>
-                <a:cs typeface="Times New Roman" pitchFamily="18" charset="0"/>
-              </a:rPr>
-              <a:t>khóa </a:t>
+              <a:t>quản lý các khóa </a:t>
             </a:r>
             <a:r>
               <a:rPr lang="en-US" smtClean="0">
